--- a/lnlift.pptx
+++ b/lnlift.pptx
@@ -295,7 +295,8 @@
           <a:p>
             <a:fld id="{6B51FB5A-DA89-488A-9C0A-F63AA8BCF15A}" type="datetimeFigureOut">
               <a:rPr lang="zh-CN" altLang="en-US" smtClean="0"/>
-              <a:t>2019/10/24</a:t>
+              <a:pPr/>
+              <a:t>2019/11/14</a:t>
             </a:fld>
             <a:endParaRPr lang="zh-CN" altLang="en-US"/>
           </a:p>
@@ -337,6 +338,7 @@
           <a:p>
             <a:fld id="{BFA291F1-CDF2-49EB-9C45-F4F9AC14CD4A}" type="slidenum">
               <a:rPr lang="zh-CN" altLang="en-US" smtClean="0"/>
+              <a:pPr/>
               <a:t>‹#›</a:t>
             </a:fld>
             <a:endParaRPr lang="zh-CN" altLang="en-US"/>
@@ -460,7 +462,8 @@
           <a:p>
             <a:fld id="{6B51FB5A-DA89-488A-9C0A-F63AA8BCF15A}" type="datetimeFigureOut">
               <a:rPr lang="zh-CN" altLang="en-US" smtClean="0"/>
-              <a:t>2019/10/24</a:t>
+              <a:pPr/>
+              <a:t>2019/11/14</a:t>
             </a:fld>
             <a:endParaRPr lang="zh-CN" altLang="en-US"/>
           </a:p>
@@ -502,6 +505,7 @@
           <a:p>
             <a:fld id="{BFA291F1-CDF2-49EB-9C45-F4F9AC14CD4A}" type="slidenum">
               <a:rPr lang="zh-CN" altLang="en-US" smtClean="0"/>
+              <a:pPr/>
               <a:t>‹#›</a:t>
             </a:fld>
             <a:endParaRPr lang="zh-CN" altLang="en-US"/>
@@ -635,7 +639,8 @@
           <a:p>
             <a:fld id="{6B51FB5A-DA89-488A-9C0A-F63AA8BCF15A}" type="datetimeFigureOut">
               <a:rPr lang="zh-CN" altLang="en-US" smtClean="0"/>
-              <a:t>2019/10/24</a:t>
+              <a:pPr/>
+              <a:t>2019/11/14</a:t>
             </a:fld>
             <a:endParaRPr lang="zh-CN" altLang="en-US"/>
           </a:p>
@@ -677,6 +682,7 @@
           <a:p>
             <a:fld id="{BFA291F1-CDF2-49EB-9C45-F4F9AC14CD4A}" type="slidenum">
               <a:rPr lang="zh-CN" altLang="en-US" smtClean="0"/>
+              <a:pPr/>
               <a:t>‹#›</a:t>
             </a:fld>
             <a:endParaRPr lang="zh-CN" altLang="en-US"/>
@@ -800,7 +806,8 @@
           <a:p>
             <a:fld id="{6B51FB5A-DA89-488A-9C0A-F63AA8BCF15A}" type="datetimeFigureOut">
               <a:rPr lang="zh-CN" altLang="en-US" smtClean="0"/>
-              <a:t>2019/10/24</a:t>
+              <a:pPr/>
+              <a:t>2019/11/14</a:t>
             </a:fld>
             <a:endParaRPr lang="zh-CN" altLang="en-US"/>
           </a:p>
@@ -842,6 +849,7 @@
           <a:p>
             <a:fld id="{BFA291F1-CDF2-49EB-9C45-F4F9AC14CD4A}" type="slidenum">
               <a:rPr lang="zh-CN" altLang="en-US" smtClean="0"/>
+              <a:pPr/>
               <a:t>‹#›</a:t>
             </a:fld>
             <a:endParaRPr lang="zh-CN" altLang="en-US"/>
@@ -1041,7 +1049,8 @@
           <a:p>
             <a:fld id="{6B51FB5A-DA89-488A-9C0A-F63AA8BCF15A}" type="datetimeFigureOut">
               <a:rPr lang="zh-CN" altLang="en-US" smtClean="0"/>
-              <a:t>2019/10/24</a:t>
+              <a:pPr/>
+              <a:t>2019/11/14</a:t>
             </a:fld>
             <a:endParaRPr lang="zh-CN" altLang="en-US"/>
           </a:p>
@@ -1083,6 +1092,7 @@
           <a:p>
             <a:fld id="{BFA291F1-CDF2-49EB-9C45-F4F9AC14CD4A}" type="slidenum">
               <a:rPr lang="zh-CN" altLang="en-US" smtClean="0"/>
+              <a:pPr/>
               <a:t>‹#›</a:t>
             </a:fld>
             <a:endParaRPr lang="zh-CN" altLang="en-US"/>
@@ -1324,7 +1334,8 @@
           <a:p>
             <a:fld id="{6B51FB5A-DA89-488A-9C0A-F63AA8BCF15A}" type="datetimeFigureOut">
               <a:rPr lang="zh-CN" altLang="en-US" smtClean="0"/>
-              <a:t>2019/10/24</a:t>
+              <a:pPr/>
+              <a:t>2019/11/14</a:t>
             </a:fld>
             <a:endParaRPr lang="zh-CN" altLang="en-US"/>
           </a:p>
@@ -1366,6 +1377,7 @@
           <a:p>
             <a:fld id="{BFA291F1-CDF2-49EB-9C45-F4F9AC14CD4A}" type="slidenum">
               <a:rPr lang="zh-CN" altLang="en-US" smtClean="0"/>
+              <a:pPr/>
               <a:t>‹#›</a:t>
             </a:fld>
             <a:endParaRPr lang="zh-CN" altLang="en-US"/>
@@ -1741,7 +1753,8 @@
           <a:p>
             <a:fld id="{6B51FB5A-DA89-488A-9C0A-F63AA8BCF15A}" type="datetimeFigureOut">
               <a:rPr lang="zh-CN" altLang="en-US" smtClean="0"/>
-              <a:t>2019/10/24</a:t>
+              <a:pPr/>
+              <a:t>2019/11/14</a:t>
             </a:fld>
             <a:endParaRPr lang="zh-CN" altLang="en-US"/>
           </a:p>
@@ -1783,6 +1796,7 @@
           <a:p>
             <a:fld id="{BFA291F1-CDF2-49EB-9C45-F4F9AC14CD4A}" type="slidenum">
               <a:rPr lang="zh-CN" altLang="en-US" smtClean="0"/>
+              <a:pPr/>
               <a:t>‹#›</a:t>
             </a:fld>
             <a:endParaRPr lang="zh-CN" altLang="en-US"/>
@@ -1854,7 +1868,8 @@
           <a:p>
             <a:fld id="{6B51FB5A-DA89-488A-9C0A-F63AA8BCF15A}" type="datetimeFigureOut">
               <a:rPr lang="zh-CN" altLang="en-US" smtClean="0"/>
-              <a:t>2019/10/24</a:t>
+              <a:pPr/>
+              <a:t>2019/11/14</a:t>
             </a:fld>
             <a:endParaRPr lang="zh-CN" altLang="en-US"/>
           </a:p>
@@ -1896,6 +1911,7 @@
           <a:p>
             <a:fld id="{BFA291F1-CDF2-49EB-9C45-F4F9AC14CD4A}" type="slidenum">
               <a:rPr lang="zh-CN" altLang="en-US" smtClean="0"/>
+              <a:pPr/>
               <a:t>‹#›</a:t>
             </a:fld>
             <a:endParaRPr lang="zh-CN" altLang="en-US"/>
@@ -1944,7 +1960,8 @@
           <a:p>
             <a:fld id="{6B51FB5A-DA89-488A-9C0A-F63AA8BCF15A}" type="datetimeFigureOut">
               <a:rPr lang="zh-CN" altLang="en-US" smtClean="0"/>
-              <a:t>2019/10/24</a:t>
+              <a:pPr/>
+              <a:t>2019/11/14</a:t>
             </a:fld>
             <a:endParaRPr lang="zh-CN" altLang="en-US"/>
           </a:p>
@@ -1986,6 +2003,7 @@
           <a:p>
             <a:fld id="{BFA291F1-CDF2-49EB-9C45-F4F9AC14CD4A}" type="slidenum">
               <a:rPr lang="zh-CN" altLang="en-US" smtClean="0"/>
+              <a:pPr/>
               <a:t>‹#›</a:t>
             </a:fld>
             <a:endParaRPr lang="zh-CN" altLang="en-US"/>
@@ -2216,7 +2234,8 @@
           <a:p>
             <a:fld id="{6B51FB5A-DA89-488A-9C0A-F63AA8BCF15A}" type="datetimeFigureOut">
               <a:rPr lang="zh-CN" altLang="en-US" smtClean="0"/>
-              <a:t>2019/10/24</a:t>
+              <a:pPr/>
+              <a:t>2019/11/14</a:t>
             </a:fld>
             <a:endParaRPr lang="zh-CN" altLang="en-US"/>
           </a:p>
@@ -2258,6 +2277,7 @@
           <a:p>
             <a:fld id="{BFA291F1-CDF2-49EB-9C45-F4F9AC14CD4A}" type="slidenum">
               <a:rPr lang="zh-CN" altLang="en-US" smtClean="0"/>
+              <a:pPr/>
               <a:t>‹#›</a:t>
             </a:fld>
             <a:endParaRPr lang="zh-CN" altLang="en-US"/>
@@ -2464,7 +2484,8 @@
           <a:p>
             <a:fld id="{6B51FB5A-DA89-488A-9C0A-F63AA8BCF15A}" type="datetimeFigureOut">
               <a:rPr lang="zh-CN" altLang="en-US" smtClean="0"/>
-              <a:t>2019/10/24</a:t>
+              <a:pPr/>
+              <a:t>2019/11/14</a:t>
             </a:fld>
             <a:endParaRPr lang="zh-CN" altLang="en-US"/>
           </a:p>
@@ -2506,6 +2527,7 @@
           <a:p>
             <a:fld id="{BFA291F1-CDF2-49EB-9C45-F4F9AC14CD4A}" type="slidenum">
               <a:rPr lang="zh-CN" altLang="en-US" smtClean="0"/>
+              <a:pPr/>
               <a:t>‹#›</a:t>
             </a:fld>
             <a:endParaRPr lang="zh-CN" altLang="en-US"/>
@@ -2672,7 +2694,8 @@
           <a:p>
             <a:fld id="{6B51FB5A-DA89-488A-9C0A-F63AA8BCF15A}" type="datetimeFigureOut">
               <a:rPr lang="zh-CN" altLang="en-US" smtClean="0"/>
-              <a:t>2019/10/24</a:t>
+              <a:pPr/>
+              <a:t>2019/11/14</a:t>
             </a:fld>
             <a:endParaRPr lang="zh-CN" altLang="en-US"/>
           </a:p>
@@ -2750,6 +2773,7 @@
           <a:p>
             <a:fld id="{BFA291F1-CDF2-49EB-9C45-F4F9AC14CD4A}" type="slidenum">
               <a:rPr lang="zh-CN" altLang="en-US" smtClean="0"/>
+              <a:pPr/>
               <a:t>‹#›</a:t>
             </a:fld>
             <a:endParaRPr lang="zh-CN" altLang="en-US"/>
@@ -3758,12 +3782,24 @@
             <p:ph idx="1"/>
           </p:nvPr>
         </p:nvSpPr>
-        <p:spPr/>
-        <p:txBody>
-          <a:bodyPr/>
-          <a:lstStyle/>
-          <a:p>
-            <a:endParaRPr lang="zh-CN" altLang="en-US"/>
+        <p:spPr>
+          <a:xfrm>
+            <a:off x="0" y="4800600"/>
+            <a:ext cx="9144000" cy="2057400"/>
+          </a:xfrm>
+        </p:spPr>
+        <p:txBody>
+          <a:bodyPr/>
+          <a:lstStyle/>
+          <a:p>
+            <a:pPr>
+              <a:buNone/>
+            </a:pPr>
+            <a:r>
+              <a:rPr lang="en-US" altLang="zh-CN" dirty="0" smtClean="0"/>
+              <a:t>Calculation of how many floors the lift must do to know how many seconds the engine must remain on.</a:t>
+            </a:r>
+            <a:endParaRPr lang="zh-CN" altLang="en-US" dirty="0"/>
           </a:p>
         </p:txBody>
       </p:sp>
@@ -3784,7 +3820,7 @@
         </p:blipFill>
         <p:spPr bwMode="auto">
           <a:xfrm>
-            <a:off x="0" y="609600"/>
+            <a:off x="0" y="0"/>
             <a:ext cx="9144000" cy="4865069"/>
           </a:xfrm>
           <a:prstGeom prst="rect">
@@ -3820,25 +3856,6 @@
       </p:grpSpPr>
       <p:sp>
         <p:nvSpPr>
-          <p:cNvPr id="2" name="标题 1"/>
-          <p:cNvSpPr>
-            <a:spLocks noGrp="1"/>
-          </p:cNvSpPr>
-          <p:nvPr>
-            <p:ph type="title"/>
-          </p:nvPr>
-        </p:nvSpPr>
-        <p:spPr/>
-        <p:txBody>
-          <a:bodyPr/>
-          <a:lstStyle/>
-          <a:p>
-            <a:endParaRPr lang="zh-CN" altLang="en-US"/>
-          </a:p>
-        </p:txBody>
-      </p:sp>
-      <p:sp>
-        <p:nvSpPr>
           <p:cNvPr id="3" name="内容占位符 2"/>
           <p:cNvSpPr>
             <a:spLocks noGrp="1"/>
@@ -3847,12 +3864,27 @@
             <p:ph idx="1"/>
           </p:nvPr>
         </p:nvSpPr>
-        <p:spPr/>
-        <p:txBody>
-          <a:bodyPr/>
-          <a:lstStyle/>
-          <a:p>
-            <a:endParaRPr lang="zh-CN" altLang="en-US"/>
+        <p:spPr>
+          <a:xfrm>
+            <a:off x="228600" y="0"/>
+            <a:ext cx="8915400" cy="1676400"/>
+          </a:xfrm>
+        </p:spPr>
+        <p:txBody>
+          <a:bodyPr/>
+          <a:lstStyle/>
+          <a:p>
+            <a:r>
+              <a:rPr lang="en-US" altLang="zh-CN" dirty="0" smtClean="0"/>
+              <a:t>The heart of the circuit.</a:t>
+            </a:r>
+          </a:p>
+          <a:p>
+            <a:r>
+              <a:rPr lang="en-US" altLang="zh-CN" dirty="0" smtClean="0"/>
+              <a:t>From here the signal goes to the close door , to the open door and to the motor  </a:t>
+            </a:r>
+            <a:endParaRPr lang="zh-CN" altLang="en-US" dirty="0"/>
           </a:p>
         </p:txBody>
       </p:sp>
@@ -3873,8 +3905,8 @@
         </p:blipFill>
         <p:spPr bwMode="auto">
           <a:xfrm>
-            <a:off x="0" y="0"/>
-            <a:ext cx="8997200" cy="6629400"/>
+            <a:off x="0" y="1676400"/>
+            <a:ext cx="9144000" cy="5109321"/>
           </a:xfrm>
           <a:prstGeom prst="rect">
             <a:avLst/>
@@ -4162,7 +4194,7 @@
         </p:blipFill>
         <p:spPr bwMode="auto">
           <a:xfrm>
-            <a:off x="0" y="76200"/>
+            <a:off x="13227" y="0"/>
             <a:ext cx="9130773" cy="6324600"/>
           </a:xfrm>
           <a:prstGeom prst="rect">
@@ -4225,12 +4257,21 @@
             <p:ph idx="1"/>
           </p:nvPr>
         </p:nvSpPr>
-        <p:spPr/>
-        <p:txBody>
-          <a:bodyPr/>
-          <a:lstStyle/>
-          <a:p>
-            <a:endParaRPr lang="zh-CN" altLang="en-US"/>
+        <p:spPr>
+          <a:xfrm>
+            <a:off x="457200" y="4343400"/>
+            <a:ext cx="8001000" cy="1782763"/>
+          </a:xfrm>
+        </p:spPr>
+        <p:txBody>
+          <a:bodyPr/>
+          <a:lstStyle/>
+          <a:p>
+            <a:r>
+              <a:rPr lang="en-US" altLang="zh-CN" dirty="0" smtClean="0"/>
+              <a:t>The motor is switched on if someone called it and if the doors are closed</a:t>
+            </a:r>
+            <a:endParaRPr lang="zh-CN" altLang="en-US" dirty="0"/>
           </a:p>
         </p:txBody>
       </p:sp>
@@ -4251,8 +4292,8 @@
         </p:blipFill>
         <p:spPr bwMode="auto">
           <a:xfrm>
-            <a:off x="0" y="381000"/>
-            <a:ext cx="8915400" cy="6126480"/>
+            <a:off x="0" y="1"/>
+            <a:ext cx="9143999" cy="4114799"/>
           </a:xfrm>
           <a:prstGeom prst="rect">
             <a:avLst/>
